--- a/ppt/Work-Efficiency-Management.pptx
+++ b/ppt/Work-Efficiency-Management.pptx
@@ -299,7 +299,7 @@
           <a:p>
             <a:fld id="{48A87A34-81AB-432B-8DAE-1953F412C126}" type="datetimeFigureOut">
               <a:rPr lang="en-US" dirty="0"/>
-              <a:t>6/18/2023</a:t>
+              <a:t>6/20/2023</a:t>
             </a:fld>
             <a:endParaRPr lang="en-US" dirty="0"/>
           </a:p>
@@ -561,7 +561,7 @@
           <a:p>
             <a:fld id="{48A87A34-81AB-432B-8DAE-1953F412C126}" type="datetimeFigureOut">
               <a:rPr lang="en-US" dirty="0"/>
-              <a:t>6/18/2023</a:t>
+              <a:t>6/20/2023</a:t>
             </a:fld>
             <a:endParaRPr lang="en-US" dirty="0"/>
           </a:p>
@@ -788,7 +788,7 @@
             <a:fld id="{48A87A34-81AB-432B-8DAE-1953F412C126}" type="datetimeFigureOut">
               <a:rPr lang="en-US" dirty="0"/>
               <a:pPr/>
-              <a:t>6/18/2023</a:t>
+              <a:t>6/20/2023</a:t>
             </a:fld>
             <a:endParaRPr lang="en-US" dirty="0"/>
           </a:p>
@@ -1094,7 +1094,7 @@
             <a:fld id="{48A87A34-81AB-432B-8DAE-1953F412C126}" type="datetimeFigureOut">
               <a:rPr lang="en-US" dirty="0"/>
               <a:pPr/>
-              <a:t>6/18/2023</a:t>
+              <a:t>6/20/2023</a:t>
             </a:fld>
             <a:endParaRPr lang="en-US" dirty="0"/>
           </a:p>
@@ -1563,7 +1563,7 @@
             <a:fld id="{48A87A34-81AB-432B-8DAE-1953F412C126}" type="datetimeFigureOut">
               <a:rPr lang="en-US" dirty="0"/>
               <a:pPr/>
-              <a:t>6/18/2023</a:t>
+              <a:t>6/20/2023</a:t>
             </a:fld>
             <a:endParaRPr lang="en-US" dirty="0"/>
           </a:p>
@@ -2105,7 +2105,7 @@
           <a:p>
             <a:fld id="{48A87A34-81AB-432B-8DAE-1953F412C126}" type="datetimeFigureOut">
               <a:rPr lang="en-US" dirty="0"/>
-              <a:t>6/18/2023</a:t>
+              <a:t>6/20/2023</a:t>
             </a:fld>
             <a:endParaRPr lang="en-US" dirty="0"/>
           </a:p>
@@ -2874,7 +2874,7 @@
           <a:p>
             <a:fld id="{48A87A34-81AB-432B-8DAE-1953F412C126}" type="datetimeFigureOut">
               <a:rPr lang="en-US" dirty="0"/>
-              <a:t>6/18/2023</a:t>
+              <a:t>6/20/2023</a:t>
             </a:fld>
             <a:endParaRPr lang="en-US" dirty="0"/>
           </a:p>
@@ -3044,7 +3044,7 @@
           <a:p>
             <a:fld id="{48A87A34-81AB-432B-8DAE-1953F412C126}" type="datetimeFigureOut">
               <a:rPr lang="en-US" dirty="0"/>
-              <a:t>6/18/2023</a:t>
+              <a:t>6/20/2023</a:t>
             </a:fld>
             <a:endParaRPr lang="en-US" dirty="0"/>
           </a:p>
@@ -3263,7 +3263,7 @@
             <a:fld id="{48A87A34-81AB-432B-8DAE-1953F412C126}" type="datetimeFigureOut">
               <a:rPr lang="en-US" dirty="0"/>
               <a:pPr/>
-              <a:t>6/18/2023</a:t>
+              <a:t>6/20/2023</a:t>
             </a:fld>
             <a:endParaRPr lang="en-US" dirty="0"/>
           </a:p>
@@ -3438,7 +3438,7 @@
           <a:p>
             <a:fld id="{48A87A34-81AB-432B-8DAE-1953F412C126}" type="datetimeFigureOut">
               <a:rPr lang="en-US" dirty="0"/>
-              <a:t>6/18/2023</a:t>
+              <a:t>6/20/2023</a:t>
             </a:fld>
             <a:endParaRPr lang="en-US" dirty="0"/>
           </a:p>
@@ -3723,7 +3723,7 @@
             <a:fld id="{48A87A34-81AB-432B-8DAE-1953F412C126}" type="datetimeFigureOut">
               <a:rPr lang="en-US" dirty="0"/>
               <a:pPr/>
-              <a:t>6/18/2023</a:t>
+              <a:t>6/20/2023</a:t>
             </a:fld>
             <a:endParaRPr lang="en-US" dirty="0"/>
           </a:p>
@@ -3960,7 +3960,7 @@
           <a:p>
             <a:fld id="{48A87A34-81AB-432B-8DAE-1953F412C126}" type="datetimeFigureOut">
               <a:rPr lang="en-US" dirty="0"/>
-              <a:t>6/18/2023</a:t>
+              <a:t>6/20/2023</a:t>
             </a:fld>
             <a:endParaRPr lang="en-US" dirty="0"/>
           </a:p>
@@ -4334,7 +4334,7 @@
           <a:p>
             <a:fld id="{48A87A34-81AB-432B-8DAE-1953F412C126}" type="datetimeFigureOut">
               <a:rPr lang="en-US" dirty="0"/>
-              <a:t>6/18/2023</a:t>
+              <a:t>6/20/2023</a:t>
             </a:fld>
             <a:endParaRPr lang="en-US" dirty="0"/>
           </a:p>
@@ -4447,7 +4447,7 @@
           <a:p>
             <a:fld id="{48A87A34-81AB-432B-8DAE-1953F412C126}" type="datetimeFigureOut">
               <a:rPr lang="en-US" dirty="0"/>
-              <a:t>6/18/2023</a:t>
+              <a:t>6/20/2023</a:t>
             </a:fld>
             <a:endParaRPr lang="en-US" dirty="0"/>
           </a:p>
@@ -4537,7 +4537,7 @@
           <a:p>
             <a:fld id="{48A87A34-81AB-432B-8DAE-1953F412C126}" type="datetimeFigureOut">
               <a:rPr lang="en-US" dirty="0"/>
-              <a:t>6/18/2023</a:t>
+              <a:t>6/20/2023</a:t>
             </a:fld>
             <a:endParaRPr lang="en-US" dirty="0"/>
           </a:p>
@@ -4781,7 +4781,7 @@
           <a:p>
             <a:fld id="{48A87A34-81AB-432B-8DAE-1953F412C126}" type="datetimeFigureOut">
               <a:rPr lang="en-US" dirty="0"/>
-              <a:t>6/18/2023</a:t>
+              <a:t>6/20/2023</a:t>
             </a:fld>
             <a:endParaRPr lang="en-US" dirty="0"/>
           </a:p>
@@ -5033,7 +5033,7 @@
           <a:p>
             <a:fld id="{48A87A34-81AB-432B-8DAE-1953F412C126}" type="datetimeFigureOut">
               <a:rPr lang="en-US" dirty="0"/>
-              <a:t>6/18/2023</a:t>
+              <a:t>6/20/2023</a:t>
             </a:fld>
             <a:endParaRPr lang="en-US" dirty="0"/>
           </a:p>
@@ -5272,7 +5272,7 @@
             <a:fld id="{48A87A34-81AB-432B-8DAE-1953F412C126}" type="datetimeFigureOut">
               <a:rPr lang="en-US" dirty="0"/>
               <a:pPr/>
-              <a:t>6/18/2023</a:t>
+              <a:t>6/20/2023</a:t>
             </a:fld>
             <a:endParaRPr lang="en-US" dirty="0"/>
           </a:p>
@@ -7669,10 +7669,10 @@
       </p:sp>
       <p:pic>
         <p:nvPicPr>
-          <p:cNvPr id="55" name="Content Placeholder 51">
+          <p:cNvPr id="5" name="Content Placeholder 27">
             <a:extLst>
               <a:ext uri="{FF2B5EF4-FFF2-40B4-BE49-F238E27FC236}">
-                <a16:creationId xmlns:a16="http://schemas.microsoft.com/office/drawing/2014/main" id="{5F376229-89A7-45A3-94E1-82D90D237E07}"/>
+                <a16:creationId xmlns:a16="http://schemas.microsoft.com/office/drawing/2014/main" id="{2AF7E971-9D4B-4CB7-8FD2-FAAFD9195C99}"/>
               </a:ext>
             </a:extLst>
           </p:cNvPr>
@@ -7688,9 +7688,9 @@
           </a:stretch>
         </p:blipFill>
         <p:spPr>
-          <a:xfrm>
-            <a:off x="6442010" y="2577847"/>
-            <a:ext cx="4829175" cy="3257550"/>
+          <a:xfrm rot="323577">
+            <a:off x="7282994" y="2756319"/>
+            <a:ext cx="3820884" cy="2163633"/>
           </a:xfrm>
           <a:prstGeom prst="rect">
             <a:avLst/>
@@ -8328,7 +8328,7 @@
                 <a:ea typeface="Times New Roman" panose="02020603050405020304" pitchFamily="18" charset="0"/>
                 <a:cs typeface="Calibri" panose="020F0502020204030204" pitchFamily="34" charset="0"/>
               </a:rPr>
-              <a:t>Can revoke patient if by mistake removed from Active patient</a:t>
+              <a:t>Can revoke faculty if by mistake removed from Active patient</a:t>
             </a:r>
             <a:endParaRPr lang="en-GB" sz="1800" kern="1400" spc="-50" dirty="0">
               <a:latin typeface="Cambria" panose="02040503050406030204" pitchFamily="18" charset="0"/>
